--- a/Part 2B.pptx
+++ b/Part 2B.pptx
@@ -122,6 +122,11 @@
       </a:defRPr>
     </a:lvl9pPr>
   </p:defaultTextStyle>
+  <p:extLst>
+    <p:ext uri="{EFAFB233-063F-42B5-8137-9DF3F51BA10A}">
+      <p15:sldGuideLst xmlns:p15="http://schemas.microsoft.com/office/powerpoint/2012/main"/>
+    </p:ext>
+  </p:extLst>
 </p:presentation>
 </file>
 
@@ -138,7 +143,7 @@
   <pc:docChgLst>
     <pc:chgData name="Sakac, Benjamin" userId="071d969b-27ce-471f-a413-c19d0204fbd9" providerId="ADAL" clId="{7338329C-9672-47EA-9339-B6E3105AEBA1}"/>
     <pc:docChg chg="undo custSel addSld delSld modSld sldOrd">
-      <pc:chgData name="Sakac, Benjamin" userId="071d969b-27ce-471f-a413-c19d0204fbd9" providerId="ADAL" clId="{7338329C-9672-47EA-9339-B6E3105AEBA1}" dt="2022-04-06T02:33:48.051" v="7284"/>
+      <pc:chgData name="Sakac, Benjamin" userId="071d969b-27ce-471f-a413-c19d0204fbd9" providerId="ADAL" clId="{7338329C-9672-47EA-9339-B6E3105AEBA1}" dt="2022-04-06T02:46:31.090" v="7285" actId="207"/>
       <pc:docMkLst>
         <pc:docMk/>
       </pc:docMkLst>
@@ -292,7 +297,7 @@
         </pc:spChg>
       </pc:sldChg>
       <pc:sldChg chg="addSp delSp modSp add mod">
-        <pc:chgData name="Sakac, Benjamin" userId="071d969b-27ce-471f-a413-c19d0204fbd9" providerId="ADAL" clId="{7338329C-9672-47EA-9339-B6E3105AEBA1}" dt="2022-04-06T02:31:31.855" v="7226" actId="115"/>
+        <pc:chgData name="Sakac, Benjamin" userId="071d969b-27ce-471f-a413-c19d0204fbd9" providerId="ADAL" clId="{7338329C-9672-47EA-9339-B6E3105AEBA1}" dt="2022-04-06T02:46:31.090" v="7285" actId="207"/>
         <pc:sldMkLst>
           <pc:docMk/>
           <pc:sldMk cId="1234719627" sldId="259"/>
@@ -322,7 +327,7 @@
           </ac:spMkLst>
         </pc:spChg>
         <pc:spChg chg="add mod">
-          <ac:chgData name="Sakac, Benjamin" userId="071d969b-27ce-471f-a413-c19d0204fbd9" providerId="ADAL" clId="{7338329C-9672-47EA-9339-B6E3105AEBA1}" dt="2022-04-06T02:31:31.855" v="7226" actId="115"/>
+          <ac:chgData name="Sakac, Benjamin" userId="071d969b-27ce-471f-a413-c19d0204fbd9" providerId="ADAL" clId="{7338329C-9672-47EA-9339-B6E3105AEBA1}" dt="2022-04-06T02:46:31.090" v="7285" actId="207"/>
           <ac:spMkLst>
             <pc:docMk/>
             <pc:sldMk cId="1234719627" sldId="259"/>
@@ -330,7 +335,7 @@
           </ac:spMkLst>
         </pc:spChg>
         <pc:spChg chg="add mod">
-          <ac:chgData name="Sakac, Benjamin" userId="071d969b-27ce-471f-a413-c19d0204fbd9" providerId="ADAL" clId="{7338329C-9672-47EA-9339-B6E3105AEBA1}" dt="2022-04-06T02:31:29.444" v="7224" actId="115"/>
+          <ac:chgData name="Sakac, Benjamin" userId="071d969b-27ce-471f-a413-c19d0204fbd9" providerId="ADAL" clId="{7338329C-9672-47EA-9339-B6E3105AEBA1}" dt="2022-04-06T02:46:31.090" v="7285" actId="207"/>
           <ac:spMkLst>
             <pc:docMk/>
             <pc:sldMk cId="1234719627" sldId="259"/>
@@ -12270,7 +12275,11 @@
           <a:p>
             <a:pPr algn="ctr"/>
             <a:r>
-              <a:rPr lang="en-US" sz="1400" b="1" u="sng" dirty="0"/>
+              <a:rPr lang="en-US" sz="1400" b="1" u="sng" dirty="0">
+                <a:solidFill>
+                  <a:schemeClr val="tx1"/>
+                </a:solidFill>
+              </a:rPr>
               <a:t>Recommendations</a:t>
             </a:r>
           </a:p>
@@ -12328,10 +12337,18 @@
           <a:p>
             <a:pPr algn="ctr"/>
             <a:r>
-              <a:rPr lang="en-US" sz="1400" dirty="0"/>
+              <a:rPr lang="en-US" sz="1400" dirty="0">
+                <a:solidFill>
+                  <a:schemeClr val="tx1"/>
+                </a:solidFill>
+              </a:rPr>
               <a:t>Learning</a:t>
             </a:r>
-            <a:endParaRPr lang="en-US" dirty="0"/>
+            <a:endParaRPr lang="en-US" dirty="0">
+              <a:solidFill>
+                <a:schemeClr val="tx1"/>
+              </a:solidFill>
+            </a:endParaRPr>
           </a:p>
         </p:txBody>
       </p:sp>
